--- a/modules.pptx
+++ b/modules.pptx
@@ -1327,8 +1327,16 @@
         <a:lstStyle/>
         <a:p>
           <a:r>
+            <a:rPr lang="en-US" dirty="0" smtClean="0">
+              <a:solidFill>
+                <a:schemeClr val="tx1"/>
+              </a:solidFill>
+            </a:rPr>
+            <a:t>Optimize</a:t>
+          </a:r>
+          <a:r>
             <a:rPr lang="en-US" dirty="0" smtClean="0"/>
-            <a:t>Optimize </a:t>
+            <a:t> </a:t>
           </a:r>
           <a:endParaRPr lang="en-US" dirty="0"/>
         </a:p>
@@ -1561,7 +1569,11 @@
           </a:fontRef>
         </dgm:style>
       </dgm:prSet>
-      <dgm:spPr/>
+      <dgm:spPr>
+        <a:solidFill>
+          <a:srgbClr val="FF0000"/>
+        </a:solidFill>
+      </dgm:spPr>
       <dgm:t>
         <a:bodyPr/>
         <a:lstStyle/>
@@ -1658,6 +1670,141 @@
         </a:p>
       </dgm:t>
     </dgm:pt>
+    <dgm:pt modelId="{70E4DB12-7CC9-F742-83F8-ADEB4ED927EC}">
+      <dgm:prSet phldrT="[Text]">
+        <dgm:style>
+          <a:lnRef idx="2">
+            <a:schemeClr val="accent3">
+              <a:shade val="50000"/>
+            </a:schemeClr>
+          </a:lnRef>
+          <a:fillRef idx="1">
+            <a:schemeClr val="accent3"/>
+          </a:fillRef>
+          <a:effectRef idx="0">
+            <a:schemeClr val="accent3"/>
+          </a:effectRef>
+          <a:fontRef idx="minor">
+            <a:schemeClr val="lt1"/>
+          </a:fontRef>
+        </dgm:style>
+      </dgm:prSet>
+      <dgm:spPr>
+        <a:solidFill>
+          <a:srgbClr val="FF0000"/>
+        </a:solidFill>
+      </dgm:spPr>
+      <dgm:t>
+        <a:bodyPr/>
+        <a:lstStyle/>
+        <a:p>
+          <a:r>
+            <a:rPr lang="en-US" dirty="0" smtClean="0">
+              <a:solidFill>
+                <a:schemeClr val="bg1"/>
+              </a:solidFill>
+            </a:rPr>
+            <a:t>Ensemble</a:t>
+          </a:r>
+          <a:endParaRPr lang="en-US" dirty="0">
+            <a:solidFill>
+              <a:schemeClr val="bg1"/>
+            </a:solidFill>
+          </a:endParaRPr>
+        </a:p>
+      </dgm:t>
+    </dgm:pt>
+    <dgm:pt modelId="{0A86520A-E086-E343-B7CE-157137F2D068}" type="parTrans" cxnId="{D07254EF-A17E-A142-833E-FF0D696E8733}">
+      <dgm:prSet/>
+      <dgm:spPr/>
+      <dgm:t>
+        <a:bodyPr/>
+        <a:lstStyle/>
+        <a:p>
+          <a:endParaRPr lang="en-US"/>
+        </a:p>
+      </dgm:t>
+    </dgm:pt>
+    <dgm:pt modelId="{2547C32C-986C-4A4B-BB47-85D78E3069B0}" type="sibTrans" cxnId="{D07254EF-A17E-A142-833E-FF0D696E8733}">
+      <dgm:prSet/>
+      <dgm:spPr/>
+      <dgm:t>
+        <a:bodyPr/>
+        <a:lstStyle/>
+        <a:p>
+          <a:endParaRPr lang="en-US"/>
+        </a:p>
+      </dgm:t>
+    </dgm:pt>
+    <dgm:pt modelId="{79584C22-FC7C-3044-ACFA-BA483DE431E2}">
+      <dgm:prSet phldrT="[Text]">
+        <dgm:style>
+          <a:lnRef idx="2">
+            <a:schemeClr val="accent3">
+              <a:shade val="50000"/>
+            </a:schemeClr>
+          </a:lnRef>
+          <a:fillRef idx="1">
+            <a:schemeClr val="accent3"/>
+          </a:fillRef>
+          <a:effectRef idx="0">
+            <a:schemeClr val="accent3"/>
+          </a:effectRef>
+          <a:fontRef idx="minor">
+            <a:schemeClr val="lt1"/>
+          </a:fontRef>
+        </dgm:style>
+      </dgm:prSet>
+      <dgm:spPr>
+        <a:solidFill>
+          <a:schemeClr val="accent6">
+            <a:lumMod val="60000"/>
+            <a:lumOff val="40000"/>
+          </a:schemeClr>
+        </a:solidFill>
+      </dgm:spPr>
+      <dgm:t>
+        <a:bodyPr/>
+        <a:lstStyle/>
+        <a:p>
+          <a:r>
+            <a:rPr lang="en-US" dirty="0" smtClean="0">
+              <a:solidFill>
+                <a:srgbClr val="FFFFFF"/>
+              </a:solidFill>
+            </a:rPr>
+            <a:t>Optimize</a:t>
+          </a:r>
+          <a:endParaRPr lang="en-US" dirty="0">
+            <a:solidFill>
+              <a:srgbClr val="FFFFFF"/>
+            </a:solidFill>
+          </a:endParaRPr>
+        </a:p>
+      </dgm:t>
+    </dgm:pt>
+    <dgm:pt modelId="{1CC81FBC-8CE4-C744-A401-087B295DE6BD}" type="parTrans" cxnId="{516F251A-D772-6447-94B8-BF08BCF9FEAC}">
+      <dgm:prSet/>
+      <dgm:spPr/>
+      <dgm:t>
+        <a:bodyPr/>
+        <a:lstStyle/>
+        <a:p>
+          <a:endParaRPr lang="en-US"/>
+        </a:p>
+      </dgm:t>
+    </dgm:pt>
+    <dgm:pt modelId="{75242C1F-39DE-E14F-8A04-758DF5EBA957}" type="sibTrans" cxnId="{516F251A-D772-6447-94B8-BF08BCF9FEAC}">
+      <dgm:prSet/>
+      <dgm:spPr/>
+      <dgm:t>
+        <a:bodyPr/>
+        <a:lstStyle/>
+        <a:p>
+          <a:endParaRPr lang="en-US"/>
+        </a:p>
+      </dgm:t>
+    </dgm:pt>
     <dgm:pt modelId="{33D42122-2A63-AE4F-B913-CAFA9947AF98}" type="pres">
       <dgm:prSet presAssocID="{C4809F03-4F88-C244-B665-EDE6D97EAABE}" presName="diagram" presStyleCnt="0">
         <dgm:presLayoutVars>
@@ -1737,11 +1884,11 @@
       <dgm:spPr/>
     </dgm:pt>
     <dgm:pt modelId="{52F686BE-844C-0446-A5AC-367E07CA1879}" type="pres">
-      <dgm:prSet presAssocID="{0AF665E7-4EA0-E142-A421-85DEBFD2C746}" presName="conn2-1" presStyleLbl="parChTrans1D2" presStyleIdx="0" presStyleCnt="2"/>
+      <dgm:prSet presAssocID="{0AF665E7-4EA0-E142-A421-85DEBFD2C746}" presName="conn2-1" presStyleLbl="parChTrans1D2" presStyleIdx="0" presStyleCnt="3"/>
       <dgm:spPr/>
     </dgm:pt>
     <dgm:pt modelId="{4279322E-0225-E34F-9B05-951BCB076213}" type="pres">
-      <dgm:prSet presAssocID="{0AF665E7-4EA0-E142-A421-85DEBFD2C746}" presName="connTx" presStyleLbl="parChTrans1D2" presStyleIdx="0" presStyleCnt="2"/>
+      <dgm:prSet presAssocID="{0AF665E7-4EA0-E142-A421-85DEBFD2C746}" presName="connTx" presStyleLbl="parChTrans1D2" presStyleIdx="0" presStyleCnt="3"/>
       <dgm:spPr/>
     </dgm:pt>
     <dgm:pt modelId="{027E045B-CD2A-6B45-91D9-9165B8CE5162}" type="pres">
@@ -1749,7 +1896,7 @@
       <dgm:spPr/>
     </dgm:pt>
     <dgm:pt modelId="{52F7DE31-20C3-8E4B-95FF-123957B500EC}" type="pres">
-      <dgm:prSet presAssocID="{4B7F70D5-F4D0-184C-AEEE-7702B12DF754}" presName="LevelTwoTextNode" presStyleLbl="node2" presStyleIdx="0" presStyleCnt="2">
+      <dgm:prSet presAssocID="{4B7F70D5-F4D0-184C-AEEE-7702B12DF754}" presName="LevelTwoTextNode" presStyleLbl="node2" presStyleIdx="0" presStyleCnt="3">
         <dgm:presLayoutVars>
           <dgm:chPref val="3"/>
         </dgm:presLayoutVars>
@@ -1761,11 +1908,11 @@
       <dgm:spPr/>
     </dgm:pt>
     <dgm:pt modelId="{2DDDF289-E059-E141-A051-490C2AE8B516}" type="pres">
-      <dgm:prSet presAssocID="{812B6E55-218F-3A49-83B7-827EA5141D82}" presName="conn2-1" presStyleLbl="parChTrans1D3" presStyleIdx="0" presStyleCnt="1"/>
+      <dgm:prSet presAssocID="{812B6E55-218F-3A49-83B7-827EA5141D82}" presName="conn2-1" presStyleLbl="parChTrans1D3" presStyleIdx="0" presStyleCnt="2"/>
       <dgm:spPr/>
     </dgm:pt>
     <dgm:pt modelId="{5DE28823-AE3F-A14B-AC59-EE6DD0D05BD1}" type="pres">
-      <dgm:prSet presAssocID="{812B6E55-218F-3A49-83B7-827EA5141D82}" presName="connTx" presStyleLbl="parChTrans1D3" presStyleIdx="0" presStyleCnt="1"/>
+      <dgm:prSet presAssocID="{812B6E55-218F-3A49-83B7-827EA5141D82}" presName="connTx" presStyleLbl="parChTrans1D3" presStyleIdx="0" presStyleCnt="2"/>
       <dgm:spPr/>
     </dgm:pt>
     <dgm:pt modelId="{AE08528C-1023-EA43-AF2C-E5A970525058}" type="pres">
@@ -1773,7 +1920,7 @@
       <dgm:spPr/>
     </dgm:pt>
     <dgm:pt modelId="{97082AED-5169-9A4D-942E-4F2EA50319B7}" type="pres">
-      <dgm:prSet presAssocID="{81DA407A-0B17-044A-BFB9-6EE5AC74FD8D}" presName="LevelTwoTextNode" presStyleLbl="node3" presStyleIdx="0" presStyleCnt="1">
+      <dgm:prSet presAssocID="{81DA407A-0B17-044A-BFB9-6EE5AC74FD8D}" presName="LevelTwoTextNode" presStyleLbl="node3" presStyleIdx="0" presStyleCnt="2">
         <dgm:presLayoutVars>
           <dgm:chPref val="3"/>
         </dgm:presLayoutVars>
@@ -1871,11 +2018,11 @@
       <dgm:spPr/>
     </dgm:pt>
     <dgm:pt modelId="{C2BD7B54-F479-C44F-B00B-F3BFA84C6A36}" type="pres">
-      <dgm:prSet presAssocID="{4DC02229-A779-554D-B543-800F482F3431}" presName="conn2-1" presStyleLbl="parChTrans1D2" presStyleIdx="1" presStyleCnt="2"/>
+      <dgm:prSet presAssocID="{4DC02229-A779-554D-B543-800F482F3431}" presName="conn2-1" presStyleLbl="parChTrans1D2" presStyleIdx="1" presStyleCnt="3"/>
       <dgm:spPr/>
     </dgm:pt>
     <dgm:pt modelId="{19D4CB5C-7CEC-7341-9E77-E2D876948DAF}" type="pres">
-      <dgm:prSet presAssocID="{4DC02229-A779-554D-B543-800F482F3431}" presName="connTx" presStyleLbl="parChTrans1D2" presStyleIdx="1" presStyleCnt="2"/>
+      <dgm:prSet presAssocID="{4DC02229-A779-554D-B543-800F482F3431}" presName="connTx" presStyleLbl="parChTrans1D2" presStyleIdx="1" presStyleCnt="3"/>
       <dgm:spPr/>
     </dgm:pt>
     <dgm:pt modelId="{B645D247-F183-1D46-9FA7-EE736A815D40}" type="pres">
@@ -1883,7 +2030,7 @@
       <dgm:spPr/>
     </dgm:pt>
     <dgm:pt modelId="{24DB6F99-8A33-7744-A17E-5AF50A7664D8}" type="pres">
-      <dgm:prSet presAssocID="{B52968E7-7562-A442-AC17-0C21C447F46B}" presName="LevelTwoTextNode" presStyleLbl="node2" presStyleIdx="1" presStyleCnt="2">
+      <dgm:prSet presAssocID="{B52968E7-7562-A442-AC17-0C21C447F46B}" presName="LevelTwoTextNode" presStyleLbl="node2" presStyleIdx="1" presStyleCnt="3">
         <dgm:presLayoutVars>
           <dgm:chPref val="3"/>
         </dgm:presLayoutVars>
@@ -1917,6 +2064,68 @@
       <dgm:prSet presAssocID="{8AEF7B9B-EDB0-484C-A42F-F9F7A06A3052}" presName="level2hierChild" presStyleCnt="0"/>
       <dgm:spPr/>
     </dgm:pt>
+    <dgm:pt modelId="{4BB864BA-FFC1-B345-A5C4-86BD52089B07}" type="pres">
+      <dgm:prSet presAssocID="{0A86520A-E086-E343-B7CE-157137F2D068}" presName="conn2-1" presStyleLbl="parChTrans1D2" presStyleIdx="2" presStyleCnt="3"/>
+      <dgm:spPr/>
+    </dgm:pt>
+    <dgm:pt modelId="{A9BD1333-9BDD-D346-8DA7-E95E80F41769}" type="pres">
+      <dgm:prSet presAssocID="{0A86520A-E086-E343-B7CE-157137F2D068}" presName="connTx" presStyleLbl="parChTrans1D2" presStyleIdx="2" presStyleCnt="3"/>
+      <dgm:spPr/>
+    </dgm:pt>
+    <dgm:pt modelId="{F5B1A8FD-C7CA-B44E-A50F-E64BA1D5AB92}" type="pres">
+      <dgm:prSet presAssocID="{70E4DB12-7CC9-F742-83F8-ADEB4ED927EC}" presName="root2" presStyleCnt="0"/>
+      <dgm:spPr/>
+    </dgm:pt>
+    <dgm:pt modelId="{24B6436D-D23F-FE43-BBA1-65AD1E6F5493}" type="pres">
+      <dgm:prSet presAssocID="{70E4DB12-7CC9-F742-83F8-ADEB4ED927EC}" presName="LevelTwoTextNode" presStyleLbl="node2" presStyleIdx="2" presStyleCnt="3">
+        <dgm:presLayoutVars>
+          <dgm:chPref val="3"/>
+        </dgm:presLayoutVars>
+      </dgm:prSet>
+      <dgm:spPr/>
+      <dgm:t>
+        <a:bodyPr/>
+        <a:lstStyle/>
+        <a:p>
+          <a:endParaRPr lang="en-US"/>
+        </a:p>
+      </dgm:t>
+    </dgm:pt>
+    <dgm:pt modelId="{31550B4E-4946-C946-B8DC-4CE89DEEB210}" type="pres">
+      <dgm:prSet presAssocID="{70E4DB12-7CC9-F742-83F8-ADEB4ED927EC}" presName="level3hierChild" presStyleCnt="0"/>
+      <dgm:spPr/>
+    </dgm:pt>
+    <dgm:pt modelId="{45440B16-D0CE-344F-87B3-5A0E1C329EA7}" type="pres">
+      <dgm:prSet presAssocID="{1CC81FBC-8CE4-C744-A401-087B295DE6BD}" presName="conn2-1" presStyleLbl="parChTrans1D3" presStyleIdx="1" presStyleCnt="2"/>
+      <dgm:spPr/>
+    </dgm:pt>
+    <dgm:pt modelId="{4A8F1FE5-B154-D248-877A-9C3965A617F2}" type="pres">
+      <dgm:prSet presAssocID="{1CC81FBC-8CE4-C744-A401-087B295DE6BD}" presName="connTx" presStyleLbl="parChTrans1D3" presStyleIdx="1" presStyleCnt="2"/>
+      <dgm:spPr/>
+    </dgm:pt>
+    <dgm:pt modelId="{41172EEB-971D-564B-A1D4-41AB428F67D5}" type="pres">
+      <dgm:prSet presAssocID="{79584C22-FC7C-3044-ACFA-BA483DE431E2}" presName="root2" presStyleCnt="0"/>
+      <dgm:spPr/>
+    </dgm:pt>
+    <dgm:pt modelId="{10FE227E-0B58-6B4F-86A7-8DCCD4E6E376}" type="pres">
+      <dgm:prSet presAssocID="{79584C22-FC7C-3044-ACFA-BA483DE431E2}" presName="LevelTwoTextNode" presStyleLbl="node3" presStyleIdx="1" presStyleCnt="2">
+        <dgm:presLayoutVars>
+          <dgm:chPref val="3"/>
+        </dgm:presLayoutVars>
+      </dgm:prSet>
+      <dgm:spPr/>
+      <dgm:t>
+        <a:bodyPr/>
+        <a:lstStyle/>
+        <a:p>
+          <a:endParaRPr lang="en-US"/>
+        </a:p>
+      </dgm:t>
+    </dgm:pt>
+    <dgm:pt modelId="{C352A219-F537-6449-84C1-DDE124907757}" type="pres">
+      <dgm:prSet presAssocID="{79584C22-FC7C-3044-ACFA-BA483DE431E2}" presName="level3hierChild" presStyleCnt="0"/>
+      <dgm:spPr/>
+    </dgm:pt>
     <dgm:pt modelId="{40F47AE7-C032-524A-B95B-8F288C21701F}" type="pres">
       <dgm:prSet presAssocID="{B09A8A6E-103B-784C-A7AD-DA9064E3C6A9}" presName="root1" presStyleCnt="0"/>
       <dgm:spPr/>
@@ -1952,87 +2161,105 @@
   </dgm:ptLst>
   <dgm:cxnLst>
     <dgm:cxn modelId="{955D982C-1567-B549-BD08-3B132962B25A}" srcId="{C4809F03-4F88-C244-B665-EDE6D97EAABE}" destId="{8AEF7B9B-EDB0-484C-A42F-F9F7A06A3052}" srcOrd="6" destOrd="0" parTransId="{255BFB41-D33F-1D43-9031-214E63F468C8}" sibTransId="{3FB27A2F-A177-B846-87F9-F36D8B82BCD2}"/>
-    <dgm:cxn modelId="{44D4EA34-21DE-3A43-AFC4-80E991DBAD6A}" type="presOf" srcId="{0AF665E7-4EA0-E142-A421-85DEBFD2C746}" destId="{4279322E-0225-E34F-9B05-951BCB076213}" srcOrd="1" destOrd="0" presId="urn:microsoft.com/office/officeart/2005/8/layout/hierarchy2"/>
-    <dgm:cxn modelId="{3B820D06-03F0-FA4C-A6E5-C0273971F0D5}" type="presOf" srcId="{B52968E7-7562-A442-AC17-0C21C447F46B}" destId="{24DB6F99-8A33-7744-A17E-5AF50A7664D8}" srcOrd="0" destOrd="0" presId="urn:microsoft.com/office/officeart/2005/8/layout/hierarchy2"/>
+    <dgm:cxn modelId="{8E900444-3429-0D43-B5FC-573FE85F8C1A}" type="presOf" srcId="{81DA407A-0B17-044A-BFB9-6EE5AC74FD8D}" destId="{97082AED-5169-9A4D-942E-4F2EA50319B7}" srcOrd="0" destOrd="0" presId="urn:microsoft.com/office/officeart/2005/8/layout/hierarchy2"/>
     <dgm:cxn modelId="{647B53CC-B2E6-904B-B63F-083FAA9C8966}" srcId="{DEB42B9B-8714-BC46-9986-0970680D4427}" destId="{B52968E7-7562-A442-AC17-0C21C447F46B}" srcOrd="0" destOrd="0" parTransId="{4DC02229-A779-554D-B543-800F482F3431}" sibTransId="{30B7FBEB-19B1-FD4F-B030-80BAFB57E607}"/>
+    <dgm:cxn modelId="{06123B1E-E26A-3D41-A180-41D5282FA42B}" type="presOf" srcId="{E466EC94-1667-6A43-9007-350DF421058E}" destId="{85CAC2F5-DB27-FC4B-9405-0F785C33C7CE}" srcOrd="0" destOrd="0" presId="urn:microsoft.com/office/officeart/2005/8/layout/hierarchy2"/>
     <dgm:cxn modelId="{0ABAE9FB-9260-FD49-A395-ACF6ADB17959}" srcId="{C4809F03-4F88-C244-B665-EDE6D97EAABE}" destId="{EEE1C4E5-AC53-3041-9770-2013ED5D2AAF}" srcOrd="4" destOrd="0" parTransId="{41CDDE73-3028-7548-AEEF-DB8CB85CABB0}" sibTransId="{BE9D05A9-8098-D049-BBCC-4F6E73E228C2}"/>
-    <dgm:cxn modelId="{1631CEFB-0C96-0148-A76F-2FEFB4836FF9}" type="presOf" srcId="{EEE1C4E5-AC53-3041-9770-2013ED5D2AAF}" destId="{2BD2C901-EB36-6D40-8793-C36A636DF2D4}" srcOrd="0" destOrd="0" presId="urn:microsoft.com/office/officeart/2005/8/layout/hierarchy2"/>
+    <dgm:cxn modelId="{8B2A7A11-FB9F-BB4A-B7AF-586D55D0509B}" type="presOf" srcId="{0A86520A-E086-E343-B7CE-157137F2D068}" destId="{A9BD1333-9BDD-D346-8DA7-E95E80F41769}" srcOrd="1" destOrd="0" presId="urn:microsoft.com/office/officeart/2005/8/layout/hierarchy2"/>
     <dgm:cxn modelId="{872442BC-90A0-194A-B9BB-47AD964296A0}" srcId="{C4809F03-4F88-C244-B665-EDE6D97EAABE}" destId="{DEB42B9B-8714-BC46-9986-0970680D4427}" srcOrd="5" destOrd="0" parTransId="{6D01DF67-722D-8840-BD4D-B7D84E30D704}" sibTransId="{EF0FC9ED-B793-624A-9C2C-61FFFAB8E5F6}"/>
     <dgm:cxn modelId="{6BD36D08-C19A-0A4B-95BE-3AD68F909004}" srcId="{C4809F03-4F88-C244-B665-EDE6D97EAABE}" destId="{B09A8A6E-103B-784C-A7AD-DA9064E3C6A9}" srcOrd="7" destOrd="0" parTransId="{87566EA8-2208-2C44-A998-0E82B387E36A}" sibTransId="{AC45980C-1456-C94D-B268-9C3040D673F2}"/>
-    <dgm:cxn modelId="{AF32C9B3-BC83-1444-A9B9-DBF4C2DA984B}" type="presOf" srcId="{45D4F4CF-683F-6543-AC21-8510311B2604}" destId="{7CDA6B17-A7CC-EF40-8F45-701ED805214D}" srcOrd="1" destOrd="0" presId="urn:microsoft.com/office/officeart/2005/8/layout/hierarchy2"/>
+    <dgm:cxn modelId="{6FD9110C-8571-B24D-98DA-D1641691A6D3}" type="presOf" srcId="{812B6E55-218F-3A49-83B7-827EA5141D82}" destId="{2DDDF289-E059-E141-A051-490C2AE8B516}" srcOrd="0" destOrd="0" presId="urn:microsoft.com/office/officeart/2005/8/layout/hierarchy2"/>
+    <dgm:cxn modelId="{B785BF3C-FA67-D34C-8B90-8D39EC004A55}" type="presOf" srcId="{1CC81FBC-8CE4-C744-A401-087B295DE6BD}" destId="{4A8F1FE5-B154-D248-877A-9C3965A617F2}" srcOrd="1" destOrd="0" presId="urn:microsoft.com/office/officeart/2005/8/layout/hierarchy2"/>
     <dgm:cxn modelId="{2DD6AFEE-B2F1-BC4D-9E1B-ED14B351F117}" srcId="{E466EC94-1667-6A43-9007-350DF421058E}" destId="{4B7F70D5-F4D0-184C-AEEE-7702B12DF754}" srcOrd="0" destOrd="0" parTransId="{0AF665E7-4EA0-E142-A421-85DEBFD2C746}" sibTransId="{0145E382-A534-054D-9B8E-9FED6E46D260}"/>
-    <dgm:cxn modelId="{9BFA92A1-129A-9946-8D42-8BAA04DB9067}" type="presOf" srcId="{FD2BE0AF-0796-BB4A-8E32-90F1A1E1730F}" destId="{8B1B5D70-F1F1-F24C-92A8-B55F966A848D}" srcOrd="0" destOrd="0" presId="urn:microsoft.com/office/officeart/2005/8/layout/hierarchy2"/>
+    <dgm:cxn modelId="{EA9853B0-821E-4242-B37E-EBF1340140FB}" type="presOf" srcId="{1A860843-EE74-F84C-9690-20DF6934A0EC}" destId="{F2ACB23E-5FAC-6748-B517-CE99C76ECED5}" srcOrd="0" destOrd="0" presId="urn:microsoft.com/office/officeart/2005/8/layout/hierarchy2"/>
+    <dgm:cxn modelId="{A7F5E1BA-6E8F-4B49-A273-358FF8A53E72}" type="presOf" srcId="{4DC02229-A779-554D-B543-800F482F3431}" destId="{C2BD7B54-F479-C44F-B00B-F3BFA84C6A36}" srcOrd="0" destOrd="0" presId="urn:microsoft.com/office/officeart/2005/8/layout/hierarchy2"/>
+    <dgm:cxn modelId="{D5973E10-8C18-9C45-B8C3-D207792FE028}" type="presOf" srcId="{4B7F70D5-F4D0-184C-AEEE-7702B12DF754}" destId="{52F7DE31-20C3-8E4B-95FF-123957B500EC}" srcOrd="0" destOrd="0" presId="urn:microsoft.com/office/officeart/2005/8/layout/hierarchy2"/>
     <dgm:cxn modelId="{1C77D2BF-283D-894E-9E3B-9E35C5FAB2F3}" type="presOf" srcId="{C4809F03-4F88-C244-B665-EDE6D97EAABE}" destId="{33D42122-2A63-AE4F-B913-CAFA9947AF98}" srcOrd="0" destOrd="0" presId="urn:microsoft.com/office/officeart/2005/8/layout/hierarchy2"/>
-    <dgm:cxn modelId="{FBD189E9-AA87-6A46-8CA5-D13E81A91343}" type="presOf" srcId="{DEB42B9B-8714-BC46-9986-0970680D4427}" destId="{6E7FCBB5-CA9B-4B42-97D8-E994BBAA2D73}" srcOrd="0" destOrd="0" presId="urn:microsoft.com/office/officeart/2005/8/layout/hierarchy2"/>
-    <dgm:cxn modelId="{AAEEA64E-F9F3-2B4F-99EE-CFD1DF09A907}" type="presOf" srcId="{46E9EA05-1D0D-5940-8F11-B8678B4D6BE0}" destId="{6A93F71E-1233-D748-A3A5-BE38759B2226}" srcOrd="0" destOrd="0" presId="urn:microsoft.com/office/officeart/2005/8/layout/hierarchy2"/>
+    <dgm:cxn modelId="{A7FFD92F-DD3C-8A47-9D66-51373463FE7D}" type="presOf" srcId="{45D4F4CF-683F-6543-AC21-8510311B2604}" destId="{7CDA6B17-A7CC-EF40-8F45-701ED805214D}" srcOrd="1" destOrd="0" presId="urn:microsoft.com/office/officeart/2005/8/layout/hierarchy2"/>
+    <dgm:cxn modelId="{516F251A-D772-6447-94B8-BF08BCF9FEAC}" srcId="{70E4DB12-7CC9-F742-83F8-ADEB4ED927EC}" destId="{79584C22-FC7C-3044-ACFA-BA483DE431E2}" srcOrd="0" destOrd="0" parTransId="{1CC81FBC-8CE4-C744-A401-087B295DE6BD}" sibTransId="{75242C1F-39DE-E14F-8A04-758DF5EBA957}"/>
+    <dgm:cxn modelId="{05FD69BC-646E-9D4E-8DA0-B84A7B72E07B}" type="presOf" srcId="{EEE1C4E5-AC53-3041-9770-2013ED5D2AAF}" destId="{2BD2C901-EB36-6D40-8793-C36A636DF2D4}" srcOrd="0" destOrd="0" presId="urn:microsoft.com/office/officeart/2005/8/layout/hierarchy2"/>
+    <dgm:cxn modelId="{D0093B0F-2954-0845-864A-092FBFEA7F45}" type="presOf" srcId="{DEB42B9B-8714-BC46-9986-0970680D4427}" destId="{6E7FCBB5-CA9B-4B42-97D8-E994BBAA2D73}" srcOrd="0" destOrd="0" presId="urn:microsoft.com/office/officeart/2005/8/layout/hierarchy2"/>
     <dgm:cxn modelId="{37294846-6726-B74A-9FA7-1B5B5E6EE9FD}" srcId="{C4809F03-4F88-C244-B665-EDE6D97EAABE}" destId="{0F594165-C126-8F4C-8FA9-60600A4F0D80}" srcOrd="0" destOrd="0" parTransId="{9470DBEF-F725-5245-8681-BFF6CF78AB18}" sibTransId="{949F421A-3AB9-4A4D-B2A6-947016DDF2C2}"/>
     <dgm:cxn modelId="{C7B90B74-6711-9D48-9108-FFE2C633EF5D}" srcId="{C4809F03-4F88-C244-B665-EDE6D97EAABE}" destId="{46E9EA05-1D0D-5940-8F11-B8678B4D6BE0}" srcOrd="3" destOrd="0" parTransId="{44098B02-6F5C-E84A-B00B-13747F5E1198}" sibTransId="{E1CDFC0E-D808-7946-BBEB-4C91AAB0A2D0}"/>
-    <dgm:cxn modelId="{BCAD4C7C-FBE7-BF43-A7B7-2B6CF79238A7}" type="presOf" srcId="{45D4F4CF-683F-6543-AC21-8510311B2604}" destId="{B7AD03C9-B742-DD4B-8847-7832329D96C8}" srcOrd="0" destOrd="0" presId="urn:microsoft.com/office/officeart/2005/8/layout/hierarchy2"/>
     <dgm:cxn modelId="{CBC2F959-1141-2245-9CD2-44201EF3EF49}" srcId="{4B7F70D5-F4D0-184C-AEEE-7702B12DF754}" destId="{81DA407A-0B17-044A-BFB9-6EE5AC74FD8D}" srcOrd="0" destOrd="0" parTransId="{812B6E55-218F-3A49-83B7-827EA5141D82}" sibTransId="{9EE9BA9A-A352-CA4E-9744-FC3CD7C173EB}"/>
-    <dgm:cxn modelId="{BC58B30D-4F1E-4C44-A2D6-8CFFC50E4886}" type="presOf" srcId="{812B6E55-218F-3A49-83B7-827EA5141D82}" destId="{5DE28823-AE3F-A14B-AC59-EE6DD0D05BD1}" srcOrd="1" destOrd="0" presId="urn:microsoft.com/office/officeart/2005/8/layout/hierarchy2"/>
+    <dgm:cxn modelId="{1853EADB-0173-3541-A11F-35972625218C}" type="presOf" srcId="{79584C22-FC7C-3044-ACFA-BA483DE431E2}" destId="{10FE227E-0B58-6B4F-86A7-8DCCD4E6E376}" srcOrd="0" destOrd="0" presId="urn:microsoft.com/office/officeart/2005/8/layout/hierarchy2"/>
     <dgm:cxn modelId="{A6EF06BC-C75A-B148-BDD9-93E2C36D9A69}" srcId="{C4809F03-4F88-C244-B665-EDE6D97EAABE}" destId="{FD2BE0AF-0796-BB4A-8E32-90F1A1E1730F}" srcOrd="8" destOrd="0" parTransId="{C8DA1EB8-446C-5748-B1BE-0512F2EE97C8}" sibTransId="{EA0F4280-44FC-0043-B69E-C54F7DE2E260}"/>
-    <dgm:cxn modelId="{17D45F79-C57C-4C43-86DD-6E7E2B1925DA}" type="presOf" srcId="{4DC02229-A779-554D-B543-800F482F3431}" destId="{C2BD7B54-F479-C44F-B00B-F3BFA84C6A36}" srcOrd="0" destOrd="0" presId="urn:microsoft.com/office/officeart/2005/8/layout/hierarchy2"/>
-    <dgm:cxn modelId="{E5E5E334-CA47-084D-AF0B-6239A422E2E4}" type="presOf" srcId="{8AEF7B9B-EDB0-484C-A42F-F9F7A06A3052}" destId="{F1D3CA66-DF16-394D-AB0D-FC5934BE4850}" srcOrd="0" destOrd="0" presId="urn:microsoft.com/office/officeart/2005/8/layout/hierarchy2"/>
+    <dgm:cxn modelId="{AF4C4801-19F8-8344-B0CB-D5211BC8410B}" type="presOf" srcId="{0F594165-C126-8F4C-8FA9-60600A4F0D80}" destId="{C4304780-0090-324B-B5C7-F3584DAE5A92}" srcOrd="0" destOrd="0" presId="urn:microsoft.com/office/officeart/2005/8/layout/hierarchy2"/>
+    <dgm:cxn modelId="{3716BFB7-7CFC-724E-8430-8A3456BFE26F}" type="presOf" srcId="{1CC81FBC-8CE4-C744-A401-087B295DE6BD}" destId="{45440B16-D0CE-344F-87B3-5A0E1C329EA7}" srcOrd="0" destOrd="0" presId="urn:microsoft.com/office/officeart/2005/8/layout/hierarchy2"/>
+    <dgm:cxn modelId="{19853581-0A42-E748-8055-8750CA17AB77}" type="presOf" srcId="{B52968E7-7562-A442-AC17-0C21C447F46B}" destId="{24DB6F99-8A33-7744-A17E-5AF50A7664D8}" srcOrd="0" destOrd="0" presId="urn:microsoft.com/office/officeart/2005/8/layout/hierarchy2"/>
+    <dgm:cxn modelId="{61DAF6EB-9FB5-5E45-8929-70B593BD496E}" type="presOf" srcId="{8AEF7B9B-EDB0-484C-A42F-F9F7A06A3052}" destId="{F1D3CA66-DF16-394D-AB0D-FC5934BE4850}" srcOrd="0" destOrd="0" presId="urn:microsoft.com/office/officeart/2005/8/layout/hierarchy2"/>
+    <dgm:cxn modelId="{33EB61C8-6DD8-164A-BC31-E6DEBAF3324D}" type="presOf" srcId="{812B6E55-218F-3A49-83B7-827EA5141D82}" destId="{5DE28823-AE3F-A14B-AC59-EE6DD0D05BD1}" srcOrd="1" destOrd="0" presId="urn:microsoft.com/office/officeart/2005/8/layout/hierarchy2"/>
+    <dgm:cxn modelId="{7D79D164-78BB-4D44-9B4C-D3D56F253079}" type="presOf" srcId="{C72C6D6E-80ED-024E-97FD-035F41EE139D}" destId="{7AD21FD2-4D66-8745-A254-EC7C424DD6A1}" srcOrd="0" destOrd="0" presId="urn:microsoft.com/office/officeart/2005/8/layout/hierarchy2"/>
     <dgm:cxn modelId="{E4A59D5E-F3AB-A243-9E7A-8E978215DA27}" srcId="{C4809F03-4F88-C244-B665-EDE6D97EAABE}" destId="{E466EC94-1667-6A43-9007-350DF421058E}" srcOrd="2" destOrd="0" parTransId="{F77A04C0-5757-754F-AD3C-3ECF4BB14CD3}" sibTransId="{B41B6609-9F49-5A43-9BAE-EFF4980EB5A5}"/>
-    <dgm:cxn modelId="{C303A6E7-DA50-324E-8DBF-192BD22B164C}" type="presOf" srcId="{B09A8A6E-103B-784C-A7AD-DA9064E3C6A9}" destId="{28AE4F43-C196-A14B-9E0E-F0B4C6A9B8D5}" srcOrd="0" destOrd="0" presId="urn:microsoft.com/office/officeart/2005/8/layout/hierarchy2"/>
-    <dgm:cxn modelId="{6F46608D-202C-254B-B0D8-5C0D1428CA17}" type="presOf" srcId="{812B6E55-218F-3A49-83B7-827EA5141D82}" destId="{2DDDF289-E059-E141-A051-490C2AE8B516}" srcOrd="0" destOrd="0" presId="urn:microsoft.com/office/officeart/2005/8/layout/hierarchy2"/>
-    <dgm:cxn modelId="{6A3000D0-A44F-294D-931C-83561FA9C684}" type="presOf" srcId="{81DA407A-0B17-044A-BFB9-6EE5AC74FD8D}" destId="{97082AED-5169-9A4D-942E-4F2EA50319B7}" srcOrd="0" destOrd="0" presId="urn:microsoft.com/office/officeart/2005/8/layout/hierarchy2"/>
-    <dgm:cxn modelId="{191AF1D4-E63E-7040-ABE0-75DE54EB0EEC}" type="presOf" srcId="{E466EC94-1667-6A43-9007-350DF421058E}" destId="{85CAC2F5-DB27-FC4B-9405-0F785C33C7CE}" srcOrd="0" destOrd="0" presId="urn:microsoft.com/office/officeart/2005/8/layout/hierarchy2"/>
+    <dgm:cxn modelId="{C0153F86-110D-464E-BAA6-E88CD3663D49}" type="presOf" srcId="{45D4F4CF-683F-6543-AC21-8510311B2604}" destId="{B7AD03C9-B742-DD4B-8847-7832329D96C8}" srcOrd="0" destOrd="0" presId="urn:microsoft.com/office/officeart/2005/8/layout/hierarchy2"/>
+    <dgm:cxn modelId="{18649B5B-70C5-1142-9986-661B0BEC361D}" type="presOf" srcId="{0AF665E7-4EA0-E142-A421-85DEBFD2C746}" destId="{4279322E-0225-E34F-9B05-951BCB076213}" srcOrd="1" destOrd="0" presId="urn:microsoft.com/office/officeart/2005/8/layout/hierarchy2"/>
+    <dgm:cxn modelId="{411BE81E-27D4-364E-A7DD-FE7BE9448ECF}" type="presOf" srcId="{FD2BE0AF-0796-BB4A-8E32-90F1A1E1730F}" destId="{8B1B5D70-F1F1-F24C-92A8-B55F966A848D}" srcOrd="0" destOrd="0" presId="urn:microsoft.com/office/officeart/2005/8/layout/hierarchy2"/>
+    <dgm:cxn modelId="{36F437F1-1CAB-294F-A5B9-66CE1FB619AE}" type="presOf" srcId="{0AF665E7-4EA0-E142-A421-85DEBFD2C746}" destId="{52F686BE-844C-0446-A5AC-367E07CA1879}" srcOrd="0" destOrd="0" presId="urn:microsoft.com/office/officeart/2005/8/layout/hierarchy2"/>
+    <dgm:cxn modelId="{11B29DDA-8FC5-2B45-B140-8571CC27913A}" type="presOf" srcId="{46E9EA05-1D0D-5940-8F11-B8678B4D6BE0}" destId="{6A93F71E-1233-D748-A3A5-BE38759B2226}" srcOrd="0" destOrd="0" presId="urn:microsoft.com/office/officeart/2005/8/layout/hierarchy2"/>
     <dgm:cxn modelId="{E6125EAA-C8D7-EC48-B0A6-B1B723BCD480}" srcId="{C4809F03-4F88-C244-B665-EDE6D97EAABE}" destId="{C72C6D6E-80ED-024E-97FD-035F41EE139D}" srcOrd="1" destOrd="0" parTransId="{78C46D4E-0DF8-6446-83AF-97C1EC27B7F7}" sibTransId="{7F61F214-8F85-2743-BACC-AC7C0CB500CB}"/>
-    <dgm:cxn modelId="{B951BFD4-6D8C-7246-B19F-31D8AD972CA7}" type="presOf" srcId="{4DC02229-A779-554D-B543-800F482F3431}" destId="{19D4CB5C-7CEC-7341-9E77-E2D876948DAF}" srcOrd="1" destOrd="0" presId="urn:microsoft.com/office/officeart/2005/8/layout/hierarchy2"/>
-    <dgm:cxn modelId="{8016ABB7-A57B-7841-91B6-77327996FEAB}" type="presOf" srcId="{0F594165-C126-8F4C-8FA9-60600A4F0D80}" destId="{C4304780-0090-324B-B5C7-F3584DAE5A92}" srcOrd="0" destOrd="0" presId="urn:microsoft.com/office/officeart/2005/8/layout/hierarchy2"/>
-    <dgm:cxn modelId="{48AF0D51-117D-6A41-B859-3312D088ED53}" type="presOf" srcId="{4B7F70D5-F4D0-184C-AEEE-7702B12DF754}" destId="{52F7DE31-20C3-8E4B-95FF-123957B500EC}" srcOrd="0" destOrd="0" presId="urn:microsoft.com/office/officeart/2005/8/layout/hierarchy2"/>
+    <dgm:cxn modelId="{D07254EF-A17E-A142-833E-FF0D696E8733}" srcId="{8AEF7B9B-EDB0-484C-A42F-F9F7A06A3052}" destId="{70E4DB12-7CC9-F742-83F8-ADEB4ED927EC}" srcOrd="0" destOrd="0" parTransId="{0A86520A-E086-E343-B7CE-157137F2D068}" sibTransId="{2547C32C-986C-4A4B-BB47-85D78E3069B0}"/>
     <dgm:cxn modelId="{BDC5AE07-1D7E-014C-A9D3-D8FB48193697}" srcId="{81DA407A-0B17-044A-BFB9-6EE5AC74FD8D}" destId="{1A860843-EE74-F84C-9690-20DF6934A0EC}" srcOrd="0" destOrd="0" parTransId="{45D4F4CF-683F-6543-AC21-8510311B2604}" sibTransId="{93F22D8D-2E57-A14A-9E4F-ABD4F01554D7}"/>
-    <dgm:cxn modelId="{B0F96CA6-8BEB-9D43-93A5-8BC318E8BF8C}" type="presOf" srcId="{0AF665E7-4EA0-E142-A421-85DEBFD2C746}" destId="{52F686BE-844C-0446-A5AC-367E07CA1879}" srcOrd="0" destOrd="0" presId="urn:microsoft.com/office/officeart/2005/8/layout/hierarchy2"/>
-    <dgm:cxn modelId="{1524C92A-0279-1249-B1F1-8CB83A18DB0B}" type="presOf" srcId="{C72C6D6E-80ED-024E-97FD-035F41EE139D}" destId="{7AD21FD2-4D66-8745-A254-EC7C424DD6A1}" srcOrd="0" destOrd="0" presId="urn:microsoft.com/office/officeart/2005/8/layout/hierarchy2"/>
-    <dgm:cxn modelId="{C40879BD-86A6-554F-8D6C-9E090A3FC8C7}" type="presOf" srcId="{1A860843-EE74-F84C-9690-20DF6934A0EC}" destId="{F2ACB23E-5FAC-6748-B517-CE99C76ECED5}" srcOrd="0" destOrd="0" presId="urn:microsoft.com/office/officeart/2005/8/layout/hierarchy2"/>
+    <dgm:cxn modelId="{A9F988A4-7FC0-4C47-A412-B8ACA1843CF8}" type="presOf" srcId="{B09A8A6E-103B-784C-A7AD-DA9064E3C6A9}" destId="{28AE4F43-C196-A14B-9E0E-F0B4C6A9B8D5}" srcOrd="0" destOrd="0" presId="urn:microsoft.com/office/officeart/2005/8/layout/hierarchy2"/>
+    <dgm:cxn modelId="{41664C36-AD71-A942-A49A-1F381DAD365D}" type="presOf" srcId="{70E4DB12-7CC9-F742-83F8-ADEB4ED927EC}" destId="{24B6436D-D23F-FE43-BBA1-65AD1E6F5493}" srcOrd="0" destOrd="0" presId="urn:microsoft.com/office/officeart/2005/8/layout/hierarchy2"/>
+    <dgm:cxn modelId="{717B760E-F70F-8047-84EB-1C5CA1DFE151}" type="presOf" srcId="{0A86520A-E086-E343-B7CE-157137F2D068}" destId="{4BB864BA-FFC1-B345-A5C4-86BD52089B07}" srcOrd="0" destOrd="0" presId="urn:microsoft.com/office/officeart/2005/8/layout/hierarchy2"/>
+    <dgm:cxn modelId="{19C1A263-935C-5446-A377-6301C4B77E76}" type="presOf" srcId="{4DC02229-A779-554D-B543-800F482F3431}" destId="{19D4CB5C-7CEC-7341-9E77-E2D876948DAF}" srcOrd="1" destOrd="0" presId="urn:microsoft.com/office/officeart/2005/8/layout/hierarchy2"/>
     <dgm:cxn modelId="{B0B9A0C3-B66F-5941-9045-4F43B91B0F06}" type="presParOf" srcId="{33D42122-2A63-AE4F-B913-CAFA9947AF98}" destId="{F494BD2C-3FED-2843-8F9F-9813F5D172E1}" srcOrd="0" destOrd="0" presId="urn:microsoft.com/office/officeart/2005/8/layout/hierarchy2"/>
-    <dgm:cxn modelId="{BF84E31E-9E09-2745-91BF-7D8DD94FD605}" type="presParOf" srcId="{F494BD2C-3FED-2843-8F9F-9813F5D172E1}" destId="{C4304780-0090-324B-B5C7-F3584DAE5A92}" srcOrd="0" destOrd="0" presId="urn:microsoft.com/office/officeart/2005/8/layout/hierarchy2"/>
-    <dgm:cxn modelId="{DEAEB210-3D62-F343-B01D-4029E41D679F}" type="presParOf" srcId="{F494BD2C-3FED-2843-8F9F-9813F5D172E1}" destId="{A31A7683-9DF3-B540-A81E-A0E6E11BCA87}" srcOrd="1" destOrd="0" presId="urn:microsoft.com/office/officeart/2005/8/layout/hierarchy2"/>
+    <dgm:cxn modelId="{58F6DED4-FD66-694D-AF8F-6B00D55B84EE}" type="presParOf" srcId="{F494BD2C-3FED-2843-8F9F-9813F5D172E1}" destId="{C4304780-0090-324B-B5C7-F3584DAE5A92}" srcOrd="0" destOrd="0" presId="urn:microsoft.com/office/officeart/2005/8/layout/hierarchy2"/>
+    <dgm:cxn modelId="{D760D792-C669-334F-8C50-233CC1F956AB}" type="presParOf" srcId="{F494BD2C-3FED-2843-8F9F-9813F5D172E1}" destId="{A31A7683-9DF3-B540-A81E-A0E6E11BCA87}" srcOrd="1" destOrd="0" presId="urn:microsoft.com/office/officeart/2005/8/layout/hierarchy2"/>
     <dgm:cxn modelId="{096C51EB-56FE-3941-AA48-4A11BF17DCE3}" type="presParOf" srcId="{33D42122-2A63-AE4F-B913-CAFA9947AF98}" destId="{823BD98D-A9DD-4742-A0FD-E772C5BE0B48}" srcOrd="1" destOrd="0" presId="urn:microsoft.com/office/officeart/2005/8/layout/hierarchy2"/>
-    <dgm:cxn modelId="{B763079A-85DD-534F-BA85-D0439E6961B1}" type="presParOf" srcId="{823BD98D-A9DD-4742-A0FD-E772C5BE0B48}" destId="{7AD21FD2-4D66-8745-A254-EC7C424DD6A1}" srcOrd="0" destOrd="0" presId="urn:microsoft.com/office/officeart/2005/8/layout/hierarchy2"/>
-    <dgm:cxn modelId="{040C8C28-C30C-8045-8DA5-3005BD7716A7}" type="presParOf" srcId="{823BD98D-A9DD-4742-A0FD-E772C5BE0B48}" destId="{08A89AC4-BBDD-3846-8697-A686F310FF40}" srcOrd="1" destOrd="0" presId="urn:microsoft.com/office/officeart/2005/8/layout/hierarchy2"/>
+    <dgm:cxn modelId="{7AD95F90-F458-E844-B9B6-37735C11832A}" type="presParOf" srcId="{823BD98D-A9DD-4742-A0FD-E772C5BE0B48}" destId="{7AD21FD2-4D66-8745-A254-EC7C424DD6A1}" srcOrd="0" destOrd="0" presId="urn:microsoft.com/office/officeart/2005/8/layout/hierarchy2"/>
+    <dgm:cxn modelId="{A604F2C0-4711-AA45-A656-193540A68D01}" type="presParOf" srcId="{823BD98D-A9DD-4742-A0FD-E772C5BE0B48}" destId="{08A89AC4-BBDD-3846-8697-A686F310FF40}" srcOrd="1" destOrd="0" presId="urn:microsoft.com/office/officeart/2005/8/layout/hierarchy2"/>
     <dgm:cxn modelId="{560E3E59-F4FD-9B4F-AF5A-12C560E1385C}" type="presParOf" srcId="{33D42122-2A63-AE4F-B913-CAFA9947AF98}" destId="{EB34D8EA-4B1F-D34D-B635-6EFAAE4D28E8}" srcOrd="2" destOrd="0" presId="urn:microsoft.com/office/officeart/2005/8/layout/hierarchy2"/>
-    <dgm:cxn modelId="{1713B633-3E45-AB43-8B8F-8FD162221CB8}" type="presParOf" srcId="{EB34D8EA-4B1F-D34D-B635-6EFAAE4D28E8}" destId="{85CAC2F5-DB27-FC4B-9405-0F785C33C7CE}" srcOrd="0" destOrd="0" presId="urn:microsoft.com/office/officeart/2005/8/layout/hierarchy2"/>
-    <dgm:cxn modelId="{F6BCB36D-CDA9-0F43-9677-33F5F86B4641}" type="presParOf" srcId="{EB34D8EA-4B1F-D34D-B635-6EFAAE4D28E8}" destId="{7B1B336F-515C-4843-B3CC-8F09586454EA}" srcOrd="1" destOrd="0" presId="urn:microsoft.com/office/officeart/2005/8/layout/hierarchy2"/>
-    <dgm:cxn modelId="{C20FD031-354A-554E-911F-AFBDC91A536D}" type="presParOf" srcId="{7B1B336F-515C-4843-B3CC-8F09586454EA}" destId="{52F686BE-844C-0446-A5AC-367E07CA1879}" srcOrd="0" destOrd="0" presId="urn:microsoft.com/office/officeart/2005/8/layout/hierarchy2"/>
-    <dgm:cxn modelId="{B29D628B-C4E5-1845-9BB4-65725B754F8E}" type="presParOf" srcId="{52F686BE-844C-0446-A5AC-367E07CA1879}" destId="{4279322E-0225-E34F-9B05-951BCB076213}" srcOrd="0" destOrd="0" presId="urn:microsoft.com/office/officeart/2005/8/layout/hierarchy2"/>
-    <dgm:cxn modelId="{42A111AD-B646-554A-A8DB-03F3B14535F7}" type="presParOf" srcId="{7B1B336F-515C-4843-B3CC-8F09586454EA}" destId="{027E045B-CD2A-6B45-91D9-9165B8CE5162}" srcOrd="1" destOrd="0" presId="urn:microsoft.com/office/officeart/2005/8/layout/hierarchy2"/>
-    <dgm:cxn modelId="{58A48747-5844-AC47-A835-07F8C8F6CD62}" type="presParOf" srcId="{027E045B-CD2A-6B45-91D9-9165B8CE5162}" destId="{52F7DE31-20C3-8E4B-95FF-123957B500EC}" srcOrd="0" destOrd="0" presId="urn:microsoft.com/office/officeart/2005/8/layout/hierarchy2"/>
-    <dgm:cxn modelId="{DC276A1F-C9E5-634F-9F30-C896D7ED1B65}" type="presParOf" srcId="{027E045B-CD2A-6B45-91D9-9165B8CE5162}" destId="{8BCAA26A-A8F9-5A4A-896E-54DE2014F622}" srcOrd="1" destOrd="0" presId="urn:microsoft.com/office/officeart/2005/8/layout/hierarchy2"/>
-    <dgm:cxn modelId="{BE4A9F2A-999E-7C42-88A6-B93A986823F0}" type="presParOf" srcId="{8BCAA26A-A8F9-5A4A-896E-54DE2014F622}" destId="{2DDDF289-E059-E141-A051-490C2AE8B516}" srcOrd="0" destOrd="0" presId="urn:microsoft.com/office/officeart/2005/8/layout/hierarchy2"/>
-    <dgm:cxn modelId="{FBE318EE-9BBD-FD44-9631-732FA1116556}" type="presParOf" srcId="{2DDDF289-E059-E141-A051-490C2AE8B516}" destId="{5DE28823-AE3F-A14B-AC59-EE6DD0D05BD1}" srcOrd="0" destOrd="0" presId="urn:microsoft.com/office/officeart/2005/8/layout/hierarchy2"/>
-    <dgm:cxn modelId="{CA45B72A-6898-EE44-9111-2BB1DE568AAA}" type="presParOf" srcId="{8BCAA26A-A8F9-5A4A-896E-54DE2014F622}" destId="{AE08528C-1023-EA43-AF2C-E5A970525058}" srcOrd="1" destOrd="0" presId="urn:microsoft.com/office/officeart/2005/8/layout/hierarchy2"/>
-    <dgm:cxn modelId="{E5DDB8E9-379F-3F4B-998E-B3669E1DD6D2}" type="presParOf" srcId="{AE08528C-1023-EA43-AF2C-E5A970525058}" destId="{97082AED-5169-9A4D-942E-4F2EA50319B7}" srcOrd="0" destOrd="0" presId="urn:microsoft.com/office/officeart/2005/8/layout/hierarchy2"/>
-    <dgm:cxn modelId="{B9C890AF-F199-5B41-81C3-FCD274C89402}" type="presParOf" srcId="{AE08528C-1023-EA43-AF2C-E5A970525058}" destId="{61758C5D-494D-E64B-A3A5-7F55CA9CEFC8}" srcOrd="1" destOrd="0" presId="urn:microsoft.com/office/officeart/2005/8/layout/hierarchy2"/>
-    <dgm:cxn modelId="{D7084BDB-E580-2343-B428-761665DC7340}" type="presParOf" srcId="{61758C5D-494D-E64B-A3A5-7F55CA9CEFC8}" destId="{B7AD03C9-B742-DD4B-8847-7832329D96C8}" srcOrd="0" destOrd="0" presId="urn:microsoft.com/office/officeart/2005/8/layout/hierarchy2"/>
-    <dgm:cxn modelId="{1CE658F1-2BE8-DD44-9335-85E811D1DCF6}" type="presParOf" srcId="{B7AD03C9-B742-DD4B-8847-7832329D96C8}" destId="{7CDA6B17-A7CC-EF40-8F45-701ED805214D}" srcOrd="0" destOrd="0" presId="urn:microsoft.com/office/officeart/2005/8/layout/hierarchy2"/>
-    <dgm:cxn modelId="{F77F9DA8-7D61-2948-91D4-B7FCB0804841}" type="presParOf" srcId="{61758C5D-494D-E64B-A3A5-7F55CA9CEFC8}" destId="{563B1DD5-210B-3B43-89A3-FBCFCD721522}" srcOrd="1" destOrd="0" presId="urn:microsoft.com/office/officeart/2005/8/layout/hierarchy2"/>
-    <dgm:cxn modelId="{A98D3982-D390-7047-85DD-5C701E5F1F4B}" type="presParOf" srcId="{563B1DD5-210B-3B43-89A3-FBCFCD721522}" destId="{F2ACB23E-5FAC-6748-B517-CE99C76ECED5}" srcOrd="0" destOrd="0" presId="urn:microsoft.com/office/officeart/2005/8/layout/hierarchy2"/>
-    <dgm:cxn modelId="{9267E6D2-8FE9-204A-BD13-CAFA8F468C02}" type="presParOf" srcId="{563B1DD5-210B-3B43-89A3-FBCFCD721522}" destId="{EF4C39D7-C898-4942-AD3B-9629C0333E6D}" srcOrd="1" destOrd="0" presId="urn:microsoft.com/office/officeart/2005/8/layout/hierarchy2"/>
+    <dgm:cxn modelId="{9216FD17-92DC-924B-B872-0FBB85BE9EDB}" type="presParOf" srcId="{EB34D8EA-4B1F-D34D-B635-6EFAAE4D28E8}" destId="{85CAC2F5-DB27-FC4B-9405-0F785C33C7CE}" srcOrd="0" destOrd="0" presId="urn:microsoft.com/office/officeart/2005/8/layout/hierarchy2"/>
+    <dgm:cxn modelId="{0FD86809-9F7E-8641-8EE4-07392B0514DE}" type="presParOf" srcId="{EB34D8EA-4B1F-D34D-B635-6EFAAE4D28E8}" destId="{7B1B336F-515C-4843-B3CC-8F09586454EA}" srcOrd="1" destOrd="0" presId="urn:microsoft.com/office/officeart/2005/8/layout/hierarchy2"/>
+    <dgm:cxn modelId="{70A2CD50-CD09-9A40-9B63-7C4FEBF58ADF}" type="presParOf" srcId="{7B1B336F-515C-4843-B3CC-8F09586454EA}" destId="{52F686BE-844C-0446-A5AC-367E07CA1879}" srcOrd="0" destOrd="0" presId="urn:microsoft.com/office/officeart/2005/8/layout/hierarchy2"/>
+    <dgm:cxn modelId="{4C334AC0-410E-4F41-9B03-6E753FC7A29C}" type="presParOf" srcId="{52F686BE-844C-0446-A5AC-367E07CA1879}" destId="{4279322E-0225-E34F-9B05-951BCB076213}" srcOrd="0" destOrd="0" presId="urn:microsoft.com/office/officeart/2005/8/layout/hierarchy2"/>
+    <dgm:cxn modelId="{346A9879-FC49-2144-9032-D04299FCC195}" type="presParOf" srcId="{7B1B336F-515C-4843-B3CC-8F09586454EA}" destId="{027E045B-CD2A-6B45-91D9-9165B8CE5162}" srcOrd="1" destOrd="0" presId="urn:microsoft.com/office/officeart/2005/8/layout/hierarchy2"/>
+    <dgm:cxn modelId="{33B7F74D-DF84-4C4C-9CD4-7934EDFD0811}" type="presParOf" srcId="{027E045B-CD2A-6B45-91D9-9165B8CE5162}" destId="{52F7DE31-20C3-8E4B-95FF-123957B500EC}" srcOrd="0" destOrd="0" presId="urn:microsoft.com/office/officeart/2005/8/layout/hierarchy2"/>
+    <dgm:cxn modelId="{6AA21B88-256C-C047-96E8-E50F92DD2069}" type="presParOf" srcId="{027E045B-CD2A-6B45-91D9-9165B8CE5162}" destId="{8BCAA26A-A8F9-5A4A-896E-54DE2014F622}" srcOrd="1" destOrd="0" presId="urn:microsoft.com/office/officeart/2005/8/layout/hierarchy2"/>
+    <dgm:cxn modelId="{8B299909-A089-FE43-8302-A3105E720DDE}" type="presParOf" srcId="{8BCAA26A-A8F9-5A4A-896E-54DE2014F622}" destId="{2DDDF289-E059-E141-A051-490C2AE8B516}" srcOrd="0" destOrd="0" presId="urn:microsoft.com/office/officeart/2005/8/layout/hierarchy2"/>
+    <dgm:cxn modelId="{5769EC5B-1F64-FA4C-A754-5422A78DB1C9}" type="presParOf" srcId="{2DDDF289-E059-E141-A051-490C2AE8B516}" destId="{5DE28823-AE3F-A14B-AC59-EE6DD0D05BD1}" srcOrd="0" destOrd="0" presId="urn:microsoft.com/office/officeart/2005/8/layout/hierarchy2"/>
+    <dgm:cxn modelId="{C304791C-06B4-9649-B561-5E462F3C10BA}" type="presParOf" srcId="{8BCAA26A-A8F9-5A4A-896E-54DE2014F622}" destId="{AE08528C-1023-EA43-AF2C-E5A970525058}" srcOrd="1" destOrd="0" presId="urn:microsoft.com/office/officeart/2005/8/layout/hierarchy2"/>
+    <dgm:cxn modelId="{BEC80542-9AF6-5C42-9BA4-FB04376BF2EB}" type="presParOf" srcId="{AE08528C-1023-EA43-AF2C-E5A970525058}" destId="{97082AED-5169-9A4D-942E-4F2EA50319B7}" srcOrd="0" destOrd="0" presId="urn:microsoft.com/office/officeart/2005/8/layout/hierarchy2"/>
+    <dgm:cxn modelId="{53F2F926-1587-5E4F-A27F-66240E18D0DD}" type="presParOf" srcId="{AE08528C-1023-EA43-AF2C-E5A970525058}" destId="{61758C5D-494D-E64B-A3A5-7F55CA9CEFC8}" srcOrd="1" destOrd="0" presId="urn:microsoft.com/office/officeart/2005/8/layout/hierarchy2"/>
+    <dgm:cxn modelId="{F90BCF8B-916B-CD42-86BF-A422CE28357D}" type="presParOf" srcId="{61758C5D-494D-E64B-A3A5-7F55CA9CEFC8}" destId="{B7AD03C9-B742-DD4B-8847-7832329D96C8}" srcOrd="0" destOrd="0" presId="urn:microsoft.com/office/officeart/2005/8/layout/hierarchy2"/>
+    <dgm:cxn modelId="{E760FA0F-F384-EC4C-A335-D1E84FB6B4AA}" type="presParOf" srcId="{B7AD03C9-B742-DD4B-8847-7832329D96C8}" destId="{7CDA6B17-A7CC-EF40-8F45-701ED805214D}" srcOrd="0" destOrd="0" presId="urn:microsoft.com/office/officeart/2005/8/layout/hierarchy2"/>
+    <dgm:cxn modelId="{29341ACE-55CE-9448-8495-0E5C1A9B1F3F}" type="presParOf" srcId="{61758C5D-494D-E64B-A3A5-7F55CA9CEFC8}" destId="{563B1DD5-210B-3B43-89A3-FBCFCD721522}" srcOrd="1" destOrd="0" presId="urn:microsoft.com/office/officeart/2005/8/layout/hierarchy2"/>
+    <dgm:cxn modelId="{3D8B797E-DB64-564D-A59F-12B80DA70E4B}" type="presParOf" srcId="{563B1DD5-210B-3B43-89A3-FBCFCD721522}" destId="{F2ACB23E-5FAC-6748-B517-CE99C76ECED5}" srcOrd="0" destOrd="0" presId="urn:microsoft.com/office/officeart/2005/8/layout/hierarchy2"/>
+    <dgm:cxn modelId="{7D5DBF30-D11B-1247-9417-08FD4F4FCA13}" type="presParOf" srcId="{563B1DD5-210B-3B43-89A3-FBCFCD721522}" destId="{EF4C39D7-C898-4942-AD3B-9629C0333E6D}" srcOrd="1" destOrd="0" presId="urn:microsoft.com/office/officeart/2005/8/layout/hierarchy2"/>
     <dgm:cxn modelId="{7A72B8C7-4A86-564F-8707-FEE9EAF8462C}" type="presParOf" srcId="{33D42122-2A63-AE4F-B913-CAFA9947AF98}" destId="{0EE8C949-5D04-D24A-974D-539ABB11A873}" srcOrd="3" destOrd="0" presId="urn:microsoft.com/office/officeart/2005/8/layout/hierarchy2"/>
-    <dgm:cxn modelId="{8BC9E6AC-7429-F24B-B958-59490F89C9D3}" type="presParOf" srcId="{0EE8C949-5D04-D24A-974D-539ABB11A873}" destId="{6A93F71E-1233-D748-A3A5-BE38759B2226}" srcOrd="0" destOrd="0" presId="urn:microsoft.com/office/officeart/2005/8/layout/hierarchy2"/>
-    <dgm:cxn modelId="{4ECF4924-979F-BE40-989E-8015CFCD73D7}" type="presParOf" srcId="{0EE8C949-5D04-D24A-974D-539ABB11A873}" destId="{354AD9AD-5958-8744-ADC0-6D1C5068ADDC}" srcOrd="1" destOrd="0" presId="urn:microsoft.com/office/officeart/2005/8/layout/hierarchy2"/>
+    <dgm:cxn modelId="{1C8A1527-6436-F940-9939-805D44E70632}" type="presParOf" srcId="{0EE8C949-5D04-D24A-974D-539ABB11A873}" destId="{6A93F71E-1233-D748-A3A5-BE38759B2226}" srcOrd="0" destOrd="0" presId="urn:microsoft.com/office/officeart/2005/8/layout/hierarchy2"/>
+    <dgm:cxn modelId="{74510AE3-09FB-0C44-94EE-04FAAD2272B3}" type="presParOf" srcId="{0EE8C949-5D04-D24A-974D-539ABB11A873}" destId="{354AD9AD-5958-8744-ADC0-6D1C5068ADDC}" srcOrd="1" destOrd="0" presId="urn:microsoft.com/office/officeart/2005/8/layout/hierarchy2"/>
     <dgm:cxn modelId="{B3B03070-CC18-904E-875B-DFE4AA978237}" type="presParOf" srcId="{33D42122-2A63-AE4F-B913-CAFA9947AF98}" destId="{8F7C4F9D-AC99-B044-8B55-EEFBBF2E0D80}" srcOrd="4" destOrd="0" presId="urn:microsoft.com/office/officeart/2005/8/layout/hierarchy2"/>
-    <dgm:cxn modelId="{A6DA9021-7FF9-D648-81B9-A0ABE02F8A35}" type="presParOf" srcId="{8F7C4F9D-AC99-B044-8B55-EEFBBF2E0D80}" destId="{2BD2C901-EB36-6D40-8793-C36A636DF2D4}" srcOrd="0" destOrd="0" presId="urn:microsoft.com/office/officeart/2005/8/layout/hierarchy2"/>
-    <dgm:cxn modelId="{306811A3-C495-5F4E-9ABC-D168AC84212D}" type="presParOf" srcId="{8F7C4F9D-AC99-B044-8B55-EEFBBF2E0D80}" destId="{91092762-8F08-2A4B-934E-E673D2F01B72}" srcOrd="1" destOrd="0" presId="urn:microsoft.com/office/officeart/2005/8/layout/hierarchy2"/>
+    <dgm:cxn modelId="{9741FFED-7365-754A-8CDE-7572530EAC3C}" type="presParOf" srcId="{8F7C4F9D-AC99-B044-8B55-EEFBBF2E0D80}" destId="{2BD2C901-EB36-6D40-8793-C36A636DF2D4}" srcOrd="0" destOrd="0" presId="urn:microsoft.com/office/officeart/2005/8/layout/hierarchy2"/>
+    <dgm:cxn modelId="{5A472E82-6B04-B743-811B-3153708671D5}" type="presParOf" srcId="{8F7C4F9D-AC99-B044-8B55-EEFBBF2E0D80}" destId="{91092762-8F08-2A4B-934E-E673D2F01B72}" srcOrd="1" destOrd="0" presId="urn:microsoft.com/office/officeart/2005/8/layout/hierarchy2"/>
     <dgm:cxn modelId="{20F9764D-A659-1C44-BDD3-5F0C080335CD}" type="presParOf" srcId="{33D42122-2A63-AE4F-B913-CAFA9947AF98}" destId="{DE557D46-36ED-254A-98B5-20481FF5414C}" srcOrd="5" destOrd="0" presId="urn:microsoft.com/office/officeart/2005/8/layout/hierarchy2"/>
-    <dgm:cxn modelId="{B431D9FE-3EA2-3C45-9972-AE8F5B2EAB9D}" type="presParOf" srcId="{DE557D46-36ED-254A-98B5-20481FF5414C}" destId="{6E7FCBB5-CA9B-4B42-97D8-E994BBAA2D73}" srcOrd="0" destOrd="0" presId="urn:microsoft.com/office/officeart/2005/8/layout/hierarchy2"/>
-    <dgm:cxn modelId="{AC1E3910-F04F-2F42-AAAA-1C7E8F89C448}" type="presParOf" srcId="{DE557D46-36ED-254A-98B5-20481FF5414C}" destId="{A34F40BD-1D40-7041-9B09-88BBA498C1A5}" srcOrd="1" destOrd="0" presId="urn:microsoft.com/office/officeart/2005/8/layout/hierarchy2"/>
-    <dgm:cxn modelId="{B411B456-33CF-AD43-894C-58157BDE5DDD}" type="presParOf" srcId="{A34F40BD-1D40-7041-9B09-88BBA498C1A5}" destId="{C2BD7B54-F479-C44F-B00B-F3BFA84C6A36}" srcOrd="0" destOrd="0" presId="urn:microsoft.com/office/officeart/2005/8/layout/hierarchy2"/>
-    <dgm:cxn modelId="{A6048C25-CA4A-A94A-9A83-8F92581C92F1}" type="presParOf" srcId="{C2BD7B54-F479-C44F-B00B-F3BFA84C6A36}" destId="{19D4CB5C-7CEC-7341-9E77-E2D876948DAF}" srcOrd="0" destOrd="0" presId="urn:microsoft.com/office/officeart/2005/8/layout/hierarchy2"/>
-    <dgm:cxn modelId="{49174AE2-5705-1A4E-86EF-9596D16943EB}" type="presParOf" srcId="{A34F40BD-1D40-7041-9B09-88BBA498C1A5}" destId="{B645D247-F183-1D46-9FA7-EE736A815D40}" srcOrd="1" destOrd="0" presId="urn:microsoft.com/office/officeart/2005/8/layout/hierarchy2"/>
-    <dgm:cxn modelId="{6DC0A097-3E8C-0A40-8225-BFF00F9BC8C3}" type="presParOf" srcId="{B645D247-F183-1D46-9FA7-EE736A815D40}" destId="{24DB6F99-8A33-7744-A17E-5AF50A7664D8}" srcOrd="0" destOrd="0" presId="urn:microsoft.com/office/officeart/2005/8/layout/hierarchy2"/>
-    <dgm:cxn modelId="{B19B95B1-A56D-5F43-8D32-78184B78EF17}" type="presParOf" srcId="{B645D247-F183-1D46-9FA7-EE736A815D40}" destId="{E8F8C666-BA23-6446-A1B6-C7394DC6F9A6}" srcOrd="1" destOrd="0" presId="urn:microsoft.com/office/officeart/2005/8/layout/hierarchy2"/>
+    <dgm:cxn modelId="{3B9E641B-729B-A449-A877-FC8DE67E3D56}" type="presParOf" srcId="{DE557D46-36ED-254A-98B5-20481FF5414C}" destId="{6E7FCBB5-CA9B-4B42-97D8-E994BBAA2D73}" srcOrd="0" destOrd="0" presId="urn:microsoft.com/office/officeart/2005/8/layout/hierarchy2"/>
+    <dgm:cxn modelId="{5E9F2265-CAF7-3041-BA4B-617CC12C57D5}" type="presParOf" srcId="{DE557D46-36ED-254A-98B5-20481FF5414C}" destId="{A34F40BD-1D40-7041-9B09-88BBA498C1A5}" srcOrd="1" destOrd="0" presId="urn:microsoft.com/office/officeart/2005/8/layout/hierarchy2"/>
+    <dgm:cxn modelId="{7D13EA25-C98F-F346-B2B2-28009FBC239E}" type="presParOf" srcId="{A34F40BD-1D40-7041-9B09-88BBA498C1A5}" destId="{C2BD7B54-F479-C44F-B00B-F3BFA84C6A36}" srcOrd="0" destOrd="0" presId="urn:microsoft.com/office/officeart/2005/8/layout/hierarchy2"/>
+    <dgm:cxn modelId="{6F8DDFDB-310C-1748-906B-B4C3FC4F7DAB}" type="presParOf" srcId="{C2BD7B54-F479-C44F-B00B-F3BFA84C6A36}" destId="{19D4CB5C-7CEC-7341-9E77-E2D876948DAF}" srcOrd="0" destOrd="0" presId="urn:microsoft.com/office/officeart/2005/8/layout/hierarchy2"/>
+    <dgm:cxn modelId="{2871ED7E-52C7-314B-B93B-00435B372827}" type="presParOf" srcId="{A34F40BD-1D40-7041-9B09-88BBA498C1A5}" destId="{B645D247-F183-1D46-9FA7-EE736A815D40}" srcOrd="1" destOrd="0" presId="urn:microsoft.com/office/officeart/2005/8/layout/hierarchy2"/>
+    <dgm:cxn modelId="{02C07141-0F83-CC46-A3C6-BD3B23AF1C1A}" type="presParOf" srcId="{B645D247-F183-1D46-9FA7-EE736A815D40}" destId="{24DB6F99-8A33-7744-A17E-5AF50A7664D8}" srcOrd="0" destOrd="0" presId="urn:microsoft.com/office/officeart/2005/8/layout/hierarchy2"/>
+    <dgm:cxn modelId="{5F7C07F3-6B2A-FE48-AB68-4B9E8A7D5007}" type="presParOf" srcId="{B645D247-F183-1D46-9FA7-EE736A815D40}" destId="{E8F8C666-BA23-6446-A1B6-C7394DC6F9A6}" srcOrd="1" destOrd="0" presId="urn:microsoft.com/office/officeart/2005/8/layout/hierarchy2"/>
     <dgm:cxn modelId="{384CF1C0-97A7-CE4D-A131-D907FF962EB5}" type="presParOf" srcId="{33D42122-2A63-AE4F-B913-CAFA9947AF98}" destId="{0257E3F3-F340-CA46-8126-BA97312CCF43}" srcOrd="6" destOrd="0" presId="urn:microsoft.com/office/officeart/2005/8/layout/hierarchy2"/>
-    <dgm:cxn modelId="{C0814ABD-FB8B-2342-BD4F-0F92E67EC588}" type="presParOf" srcId="{0257E3F3-F340-CA46-8126-BA97312CCF43}" destId="{F1D3CA66-DF16-394D-AB0D-FC5934BE4850}" srcOrd="0" destOrd="0" presId="urn:microsoft.com/office/officeart/2005/8/layout/hierarchy2"/>
-    <dgm:cxn modelId="{3C931D41-9541-9549-846D-860D315E7071}" type="presParOf" srcId="{0257E3F3-F340-CA46-8126-BA97312CCF43}" destId="{9B6463F2-A506-604E-AC4B-B9CCA42FB3E7}" srcOrd="1" destOrd="0" presId="urn:microsoft.com/office/officeart/2005/8/layout/hierarchy2"/>
+    <dgm:cxn modelId="{1915A217-50BE-7C4C-A6EB-197A6A6C4CB5}" type="presParOf" srcId="{0257E3F3-F340-CA46-8126-BA97312CCF43}" destId="{F1D3CA66-DF16-394D-AB0D-FC5934BE4850}" srcOrd="0" destOrd="0" presId="urn:microsoft.com/office/officeart/2005/8/layout/hierarchy2"/>
+    <dgm:cxn modelId="{F8486B83-A2E2-9648-BD4A-8441E3563E31}" type="presParOf" srcId="{0257E3F3-F340-CA46-8126-BA97312CCF43}" destId="{9B6463F2-A506-604E-AC4B-B9CCA42FB3E7}" srcOrd="1" destOrd="0" presId="urn:microsoft.com/office/officeart/2005/8/layout/hierarchy2"/>
+    <dgm:cxn modelId="{4175190A-DA2A-EF40-AF83-B8F4D5E5FD4E}" type="presParOf" srcId="{9B6463F2-A506-604E-AC4B-B9CCA42FB3E7}" destId="{4BB864BA-FFC1-B345-A5C4-86BD52089B07}" srcOrd="0" destOrd="0" presId="urn:microsoft.com/office/officeart/2005/8/layout/hierarchy2"/>
+    <dgm:cxn modelId="{296972AA-B177-994F-A400-5A3EF2FF19D4}" type="presParOf" srcId="{4BB864BA-FFC1-B345-A5C4-86BD52089B07}" destId="{A9BD1333-9BDD-D346-8DA7-E95E80F41769}" srcOrd="0" destOrd="0" presId="urn:microsoft.com/office/officeart/2005/8/layout/hierarchy2"/>
+    <dgm:cxn modelId="{D0C6B574-73AF-484F-A34F-FD7AA531EF80}" type="presParOf" srcId="{9B6463F2-A506-604E-AC4B-B9CCA42FB3E7}" destId="{F5B1A8FD-C7CA-B44E-A50F-E64BA1D5AB92}" srcOrd="1" destOrd="0" presId="urn:microsoft.com/office/officeart/2005/8/layout/hierarchy2"/>
+    <dgm:cxn modelId="{482ABD25-D65C-7A48-A3E9-F97968562DD7}" type="presParOf" srcId="{F5B1A8FD-C7CA-B44E-A50F-E64BA1D5AB92}" destId="{24B6436D-D23F-FE43-BBA1-65AD1E6F5493}" srcOrd="0" destOrd="0" presId="urn:microsoft.com/office/officeart/2005/8/layout/hierarchy2"/>
+    <dgm:cxn modelId="{1C0BD434-29EF-BD47-A202-5922ECE76D59}" type="presParOf" srcId="{F5B1A8FD-C7CA-B44E-A50F-E64BA1D5AB92}" destId="{31550B4E-4946-C946-B8DC-4CE89DEEB210}" srcOrd="1" destOrd="0" presId="urn:microsoft.com/office/officeart/2005/8/layout/hierarchy2"/>
+    <dgm:cxn modelId="{62E7E9BE-8672-FA40-814A-0737EFCF53A2}" type="presParOf" srcId="{31550B4E-4946-C946-B8DC-4CE89DEEB210}" destId="{45440B16-D0CE-344F-87B3-5A0E1C329EA7}" srcOrd="0" destOrd="0" presId="urn:microsoft.com/office/officeart/2005/8/layout/hierarchy2"/>
+    <dgm:cxn modelId="{85AAE8C0-2401-3C4B-ACF6-C3AFC39126CE}" type="presParOf" srcId="{45440B16-D0CE-344F-87B3-5A0E1C329EA7}" destId="{4A8F1FE5-B154-D248-877A-9C3965A617F2}" srcOrd="0" destOrd="0" presId="urn:microsoft.com/office/officeart/2005/8/layout/hierarchy2"/>
+    <dgm:cxn modelId="{5D3DA1F1-BEE2-4A4B-8E14-C36DDCBE8AC2}" type="presParOf" srcId="{31550B4E-4946-C946-B8DC-4CE89DEEB210}" destId="{41172EEB-971D-564B-A1D4-41AB428F67D5}" srcOrd="1" destOrd="0" presId="urn:microsoft.com/office/officeart/2005/8/layout/hierarchy2"/>
+    <dgm:cxn modelId="{67A85A18-0397-EA40-B416-01EB6542BA4A}" type="presParOf" srcId="{41172EEB-971D-564B-A1D4-41AB428F67D5}" destId="{10FE227E-0B58-6B4F-86A7-8DCCD4E6E376}" srcOrd="0" destOrd="0" presId="urn:microsoft.com/office/officeart/2005/8/layout/hierarchy2"/>
+    <dgm:cxn modelId="{F324262E-21CB-5343-A915-8408F7E54B79}" type="presParOf" srcId="{41172EEB-971D-564B-A1D4-41AB428F67D5}" destId="{C352A219-F537-6449-84C1-DDE124907757}" srcOrd="1" destOrd="0" presId="urn:microsoft.com/office/officeart/2005/8/layout/hierarchy2"/>
     <dgm:cxn modelId="{4149A055-FFA9-9843-BBE2-F37A37ED3215}" type="presParOf" srcId="{33D42122-2A63-AE4F-B913-CAFA9947AF98}" destId="{40F47AE7-C032-524A-B95B-8F288C21701F}" srcOrd="7" destOrd="0" presId="urn:microsoft.com/office/officeart/2005/8/layout/hierarchy2"/>
-    <dgm:cxn modelId="{093A40F2-D716-F94B-8B43-99C87C376FE0}" type="presParOf" srcId="{40F47AE7-C032-524A-B95B-8F288C21701F}" destId="{28AE4F43-C196-A14B-9E0E-F0B4C6A9B8D5}" srcOrd="0" destOrd="0" presId="urn:microsoft.com/office/officeart/2005/8/layout/hierarchy2"/>
-    <dgm:cxn modelId="{EFD1630D-0AD7-7843-BC3E-7C72422EF5B6}" type="presParOf" srcId="{40F47AE7-C032-524A-B95B-8F288C21701F}" destId="{9F847D01-FB7C-7E4B-86B9-33B8A99FD49A}" srcOrd="1" destOrd="0" presId="urn:microsoft.com/office/officeart/2005/8/layout/hierarchy2"/>
+    <dgm:cxn modelId="{5CE936D3-C6A5-8C4C-A770-054DBC17B0DA}" type="presParOf" srcId="{40F47AE7-C032-524A-B95B-8F288C21701F}" destId="{28AE4F43-C196-A14B-9E0E-F0B4C6A9B8D5}" srcOrd="0" destOrd="0" presId="urn:microsoft.com/office/officeart/2005/8/layout/hierarchy2"/>
+    <dgm:cxn modelId="{44597948-5366-6B47-A18E-5C1C55485669}" type="presParOf" srcId="{40F47AE7-C032-524A-B95B-8F288C21701F}" destId="{9F847D01-FB7C-7E4B-86B9-33B8A99FD49A}" srcOrd="1" destOrd="0" presId="urn:microsoft.com/office/officeart/2005/8/layout/hierarchy2"/>
     <dgm:cxn modelId="{F87CC60E-ED57-DA4E-8FCA-CE49966B953C}" type="presParOf" srcId="{33D42122-2A63-AE4F-B913-CAFA9947AF98}" destId="{F933F160-B695-4946-B5D8-6019A576F5A7}" srcOrd="8" destOrd="0" presId="urn:microsoft.com/office/officeart/2005/8/layout/hierarchy2"/>
-    <dgm:cxn modelId="{D12C34BB-0C2B-2342-8942-EE7EF5541D01}" type="presParOf" srcId="{F933F160-B695-4946-B5D8-6019A576F5A7}" destId="{8B1B5D70-F1F1-F24C-92A8-B55F966A848D}" srcOrd="0" destOrd="0" presId="urn:microsoft.com/office/officeart/2005/8/layout/hierarchy2"/>
-    <dgm:cxn modelId="{E2FECEFA-E6B5-A043-A15A-203AFDBC4E46}" type="presParOf" srcId="{F933F160-B695-4946-B5D8-6019A576F5A7}" destId="{0212612A-E768-CC4B-94B8-DB31B5FBB335}" srcOrd="1" destOrd="0" presId="urn:microsoft.com/office/officeart/2005/8/layout/hierarchy2"/>
+    <dgm:cxn modelId="{AB1713A2-702C-F64B-8F7B-EFF942DD1FE5}" type="presParOf" srcId="{F933F160-B695-4946-B5D8-6019A576F5A7}" destId="{8B1B5D70-F1F1-F24C-92A8-B55F966A848D}" srcOrd="0" destOrd="0" presId="urn:microsoft.com/office/officeart/2005/8/layout/hierarchy2"/>
+    <dgm:cxn modelId="{429A6647-33F0-3F4C-B624-85DC2E100265}" type="presParOf" srcId="{F933F160-B695-4946-B5D8-6019A576F5A7}" destId="{0212612A-E768-CC4B-94B8-DB31B5FBB335}" srcOrd="1" destOrd="0" presId="urn:microsoft.com/office/officeart/2005/8/layout/hierarchy2"/>
   </dgm:cxnLst>
   <dgm:bg/>
   <dgm:whole/>
@@ -2997,8 +3224,16 @@
             </a:spcAft>
           </a:pPr>
           <a:r>
+            <a:rPr lang="en-US" sz="1200" kern="1200" dirty="0" smtClean="0">
+              <a:solidFill>
+                <a:schemeClr val="tx1"/>
+              </a:solidFill>
+            </a:rPr>
+            <a:t>Optimize</a:t>
+          </a:r>
+          <a:r>
             <a:rPr lang="en-US" sz="1200" kern="1200" dirty="0" smtClean="0"/>
-            <a:t>Optimize </a:t>
+            <a:t> </a:t>
           </a:r>
           <a:endParaRPr lang="en-US" sz="1200" kern="1200" dirty="0"/>
         </a:p>
@@ -3249,6 +3484,329 @@
         <a:ext cx="773390" cy="375027"/>
       </dsp:txXfrm>
     </dsp:sp>
+    <dsp:sp modelId="{4BB864BA-FFC1-B345-A5C4-86BD52089B07}">
+      <dsp:nvSpPr>
+        <dsp:cNvPr id="0" name=""/>
+        <dsp:cNvSpPr/>
+      </dsp:nvSpPr>
+      <dsp:spPr>
+        <a:xfrm>
+          <a:off x="1773237" y="2939413"/>
+          <a:ext cx="318690" cy="17644"/>
+        </a:xfrm>
+        <a:custGeom>
+          <a:avLst/>
+          <a:gdLst/>
+          <a:ahLst/>
+          <a:cxnLst/>
+          <a:rect l="0" t="0" r="0" b="0"/>
+          <a:pathLst>
+            <a:path>
+              <a:moveTo>
+                <a:pt x="0" y="8822"/>
+              </a:moveTo>
+              <a:lnTo>
+                <a:pt x="318690" y="8822"/>
+              </a:lnTo>
+            </a:path>
+          </a:pathLst>
+        </a:custGeom>
+        <a:noFill/>
+        <a:ln w="9525" cap="flat" cmpd="sng" algn="ctr">
+          <a:solidFill>
+            <a:schemeClr val="accent1">
+              <a:shade val="60000"/>
+              <a:hueOff val="0"/>
+              <a:satOff val="0"/>
+              <a:lumOff val="0"/>
+              <a:alphaOff val="0"/>
+            </a:schemeClr>
+          </a:solidFill>
+          <a:prstDash val="solid"/>
+        </a:ln>
+        <a:effectLst/>
+      </dsp:spPr>
+      <dsp:style>
+        <a:lnRef idx="1">
+          <a:scrgbClr r="0" g="0" b="0"/>
+        </a:lnRef>
+        <a:fillRef idx="0">
+          <a:scrgbClr r="0" g="0" b="0"/>
+        </a:fillRef>
+        <a:effectRef idx="0">
+          <a:scrgbClr r="0" g="0" b="0"/>
+        </a:effectRef>
+        <a:fontRef idx="minor"/>
+      </dsp:style>
+      <dsp:txBody>
+        <a:bodyPr spcFirstLastPara="0" vert="horz" wrap="square" lIns="12700" tIns="0" rIns="12700" bIns="0" numCol="1" spcCol="1270" anchor="ctr" anchorCtr="0">
+          <a:noAutofit/>
+        </a:bodyPr>
+        <a:lstStyle/>
+        <a:p>
+          <a:pPr lvl="0" algn="ctr" defTabSz="222250">
+            <a:lnSpc>
+              <a:spcPct val="90000"/>
+            </a:lnSpc>
+            <a:spcBef>
+              <a:spcPct val="0"/>
+            </a:spcBef>
+            <a:spcAft>
+              <a:spcPct val="35000"/>
+            </a:spcAft>
+          </a:pPr>
+          <a:endParaRPr lang="en-US" sz="500" kern="1200"/>
+        </a:p>
+      </dsp:txBody>
+      <dsp:txXfrm>
+        <a:off x="1924615" y="2940268"/>
+        <a:ext cx="15934" cy="15934"/>
+      </dsp:txXfrm>
+    </dsp:sp>
+    <dsp:sp modelId="{24B6436D-D23F-FE43-BBA1-65AD1E6F5493}">
+      <dsp:nvSpPr>
+        <dsp:cNvPr id="0" name=""/>
+        <dsp:cNvSpPr/>
+      </dsp:nvSpPr>
+      <dsp:spPr>
+        <a:xfrm>
+          <a:off x="2091928" y="2749053"/>
+          <a:ext cx="796726" cy="398363"/>
+        </a:xfrm>
+        <a:prstGeom prst="roundRect">
+          <a:avLst>
+            <a:gd name="adj" fmla="val 10000"/>
+          </a:avLst>
+        </a:prstGeom>
+        <a:solidFill>
+          <a:srgbClr val="FF0000"/>
+        </a:solidFill>
+        <a:ln w="25400" cap="flat" cmpd="sng" algn="ctr">
+          <a:solidFill>
+            <a:schemeClr val="accent3">
+              <a:shade val="50000"/>
+            </a:schemeClr>
+          </a:solidFill>
+          <a:prstDash val="solid"/>
+        </a:ln>
+        <a:effectLst/>
+      </dsp:spPr>
+      <dsp:style>
+        <a:lnRef idx="2">
+          <a:schemeClr val="accent3">
+            <a:shade val="50000"/>
+          </a:schemeClr>
+        </a:lnRef>
+        <a:fillRef idx="1">
+          <a:schemeClr val="accent3"/>
+        </a:fillRef>
+        <a:effectRef idx="0">
+          <a:schemeClr val="accent3"/>
+        </a:effectRef>
+        <a:fontRef idx="minor">
+          <a:schemeClr val="lt1"/>
+        </a:fontRef>
+      </dsp:style>
+      <dsp:txBody>
+        <a:bodyPr spcFirstLastPara="0" vert="horz" wrap="square" lIns="7620" tIns="7620" rIns="7620" bIns="7620" numCol="1" spcCol="1270" anchor="ctr" anchorCtr="0">
+          <a:noAutofit/>
+        </a:bodyPr>
+        <a:lstStyle/>
+        <a:p>
+          <a:pPr lvl="0" algn="ctr" defTabSz="533400">
+            <a:lnSpc>
+              <a:spcPct val="90000"/>
+            </a:lnSpc>
+            <a:spcBef>
+              <a:spcPct val="0"/>
+            </a:spcBef>
+            <a:spcAft>
+              <a:spcPct val="35000"/>
+            </a:spcAft>
+          </a:pPr>
+          <a:r>
+            <a:rPr lang="en-US" sz="1200" kern="1200" dirty="0" smtClean="0">
+              <a:solidFill>
+                <a:schemeClr val="bg1"/>
+              </a:solidFill>
+            </a:rPr>
+            <a:t>Ensemble</a:t>
+          </a:r>
+          <a:endParaRPr lang="en-US" sz="1200" kern="1200" dirty="0">
+            <a:solidFill>
+              <a:schemeClr val="bg1"/>
+            </a:solidFill>
+          </a:endParaRPr>
+        </a:p>
+      </dsp:txBody>
+      <dsp:txXfrm>
+        <a:off x="2103596" y="2760721"/>
+        <a:ext cx="773390" cy="375027"/>
+      </dsp:txXfrm>
+    </dsp:sp>
+    <dsp:sp modelId="{45440B16-D0CE-344F-87B3-5A0E1C329EA7}">
+      <dsp:nvSpPr>
+        <dsp:cNvPr id="0" name=""/>
+        <dsp:cNvSpPr/>
+      </dsp:nvSpPr>
+      <dsp:spPr>
+        <a:xfrm>
+          <a:off x="2888654" y="2939413"/>
+          <a:ext cx="318690" cy="17644"/>
+        </a:xfrm>
+        <a:custGeom>
+          <a:avLst/>
+          <a:gdLst/>
+          <a:ahLst/>
+          <a:cxnLst/>
+          <a:rect l="0" t="0" r="0" b="0"/>
+          <a:pathLst>
+            <a:path>
+              <a:moveTo>
+                <a:pt x="0" y="8822"/>
+              </a:moveTo>
+              <a:lnTo>
+                <a:pt x="318690" y="8822"/>
+              </a:lnTo>
+            </a:path>
+          </a:pathLst>
+        </a:custGeom>
+        <a:noFill/>
+        <a:ln w="9525" cap="flat" cmpd="sng" algn="ctr">
+          <a:solidFill>
+            <a:schemeClr val="accent1">
+              <a:shade val="80000"/>
+              <a:hueOff val="0"/>
+              <a:satOff val="0"/>
+              <a:lumOff val="0"/>
+              <a:alphaOff val="0"/>
+            </a:schemeClr>
+          </a:solidFill>
+          <a:prstDash val="solid"/>
+        </a:ln>
+        <a:effectLst/>
+      </dsp:spPr>
+      <dsp:style>
+        <a:lnRef idx="1">
+          <a:scrgbClr r="0" g="0" b="0"/>
+        </a:lnRef>
+        <a:fillRef idx="0">
+          <a:scrgbClr r="0" g="0" b="0"/>
+        </a:fillRef>
+        <a:effectRef idx="0">
+          <a:scrgbClr r="0" g="0" b="0"/>
+        </a:effectRef>
+        <a:fontRef idx="minor"/>
+      </dsp:style>
+      <dsp:txBody>
+        <a:bodyPr spcFirstLastPara="0" vert="horz" wrap="square" lIns="12700" tIns="0" rIns="12700" bIns="0" numCol="1" spcCol="1270" anchor="ctr" anchorCtr="0">
+          <a:noAutofit/>
+        </a:bodyPr>
+        <a:lstStyle/>
+        <a:p>
+          <a:pPr lvl="0" algn="ctr" defTabSz="222250">
+            <a:lnSpc>
+              <a:spcPct val="90000"/>
+            </a:lnSpc>
+            <a:spcBef>
+              <a:spcPct val="0"/>
+            </a:spcBef>
+            <a:spcAft>
+              <a:spcPct val="35000"/>
+            </a:spcAft>
+          </a:pPr>
+          <a:endParaRPr lang="en-US" sz="500" kern="1200"/>
+        </a:p>
+      </dsp:txBody>
+      <dsp:txXfrm>
+        <a:off x="3040032" y="2940268"/>
+        <a:ext cx="15934" cy="15934"/>
+      </dsp:txXfrm>
+    </dsp:sp>
+    <dsp:sp modelId="{10FE227E-0B58-6B4F-86A7-8DCCD4E6E376}">
+      <dsp:nvSpPr>
+        <dsp:cNvPr id="0" name=""/>
+        <dsp:cNvSpPr/>
+      </dsp:nvSpPr>
+      <dsp:spPr>
+        <a:xfrm>
+          <a:off x="3207345" y="2749053"/>
+          <a:ext cx="796726" cy="398363"/>
+        </a:xfrm>
+        <a:prstGeom prst="roundRect">
+          <a:avLst>
+            <a:gd name="adj" fmla="val 10000"/>
+          </a:avLst>
+        </a:prstGeom>
+        <a:solidFill>
+          <a:schemeClr val="accent6">
+            <a:lumMod val="60000"/>
+            <a:lumOff val="40000"/>
+          </a:schemeClr>
+        </a:solidFill>
+        <a:ln w="25400" cap="flat" cmpd="sng" algn="ctr">
+          <a:solidFill>
+            <a:schemeClr val="accent3">
+              <a:shade val="50000"/>
+            </a:schemeClr>
+          </a:solidFill>
+          <a:prstDash val="solid"/>
+        </a:ln>
+        <a:effectLst/>
+      </dsp:spPr>
+      <dsp:style>
+        <a:lnRef idx="2">
+          <a:schemeClr val="accent3">
+            <a:shade val="50000"/>
+          </a:schemeClr>
+        </a:lnRef>
+        <a:fillRef idx="1">
+          <a:schemeClr val="accent3"/>
+        </a:fillRef>
+        <a:effectRef idx="0">
+          <a:schemeClr val="accent3"/>
+        </a:effectRef>
+        <a:fontRef idx="minor">
+          <a:schemeClr val="lt1"/>
+        </a:fontRef>
+      </dsp:style>
+      <dsp:txBody>
+        <a:bodyPr spcFirstLastPara="0" vert="horz" wrap="square" lIns="7620" tIns="7620" rIns="7620" bIns="7620" numCol="1" spcCol="1270" anchor="ctr" anchorCtr="0">
+          <a:noAutofit/>
+        </a:bodyPr>
+        <a:lstStyle/>
+        <a:p>
+          <a:pPr lvl="0" algn="ctr" defTabSz="533400">
+            <a:lnSpc>
+              <a:spcPct val="90000"/>
+            </a:lnSpc>
+            <a:spcBef>
+              <a:spcPct val="0"/>
+            </a:spcBef>
+            <a:spcAft>
+              <a:spcPct val="35000"/>
+            </a:spcAft>
+          </a:pPr>
+          <a:r>
+            <a:rPr lang="en-US" sz="1200" kern="1200" dirty="0" smtClean="0">
+              <a:solidFill>
+                <a:srgbClr val="FFFFFF"/>
+              </a:solidFill>
+            </a:rPr>
+            <a:t>Optimize</a:t>
+          </a:r>
+          <a:endParaRPr lang="en-US" sz="1200" kern="1200" dirty="0">
+            <a:solidFill>
+              <a:srgbClr val="FFFFFF"/>
+            </a:solidFill>
+          </a:endParaRPr>
+        </a:p>
+      </dsp:txBody>
+      <dsp:txXfrm>
+        <a:off x="3219013" y="2760721"/>
+        <a:ext cx="773390" cy="375027"/>
+      </dsp:txXfrm>
+    </dsp:sp>
     <dsp:sp modelId="{28AE4F43-C196-A14B-9E0E-F0B4C6A9B8D5}">
       <dsp:nvSpPr>
         <dsp:cNvPr id="0" name=""/>
@@ -3346,7 +3904,7 @@
           </a:avLst>
         </a:prstGeom>
         <a:solidFill>
-          <a:schemeClr val="accent2"/>
+          <a:srgbClr val="FF0000"/>
         </a:solidFill>
         <a:ln w="25400" cap="flat" cmpd="sng" algn="ctr">
           <a:solidFill>
@@ -7794,7 +8352,7 @@
           <p:nvPr>
             <p:extLst>
               <p:ext uri="{D42A27DB-BD31-4B8C-83A1-F6EECF244321}">
-                <p14:modId xmlns:p14="http://schemas.microsoft.com/office/powerpoint/2010/main" val="2194848971"/>
+                <p14:modId xmlns:p14="http://schemas.microsoft.com/office/powerpoint/2010/main" val="2051519595"/>
               </p:ext>
             </p:extLst>
           </p:nvPr>
